--- a/Student Presentations/CopyrightPresentation.pptx
+++ b/Student Presentations/CopyrightPresentation.pptx
@@ -8,6 +8,11 @@
     <p:sldId id="256" r:id="rId2"/>
     <p:sldId id="257" r:id="rId3"/>
     <p:sldId id="258" r:id="rId4"/>
+    <p:sldId id="259" r:id="rId5"/>
+    <p:sldId id="261" r:id="rId6"/>
+    <p:sldId id="262" r:id="rId7"/>
+    <p:sldId id="263" r:id="rId8"/>
+    <p:sldId id="260" r:id="rId9"/>
   </p:sldIdLst>
   <p:sldSz cx="12192000" cy="6858000"/>
   <p:notesSz cx="6858000" cy="9144000"/>
@@ -106,7 +111,196 @@
       </a:defRPr>
     </a:lvl9pPr>
   </p:defaultTextStyle>
+  <p:extLst>
+    <p:ext uri="{EFAFB233-063F-42B5-8137-9DF3F51BA10A}">
+      <p15:sldGuideLst xmlns:p15="http://schemas.microsoft.com/office/powerpoint/2012/main"/>
+    </p:ext>
+  </p:extLst>
 </p:presentation>
+</file>
+
+<file path=ppt/revisionInfo.xml><?xml version="1.0" encoding="utf-8"?>
+<p1510:revInfo xmlns:a="http://schemas.openxmlformats.org/drawingml/2006/main" xmlns:r="http://schemas.openxmlformats.org/officeDocument/2006/relationships" xmlns:p1510="http://schemas.microsoft.com/office/powerpoint/2015/10/main">
+  <p1510:revLst>
+    <p1510:client id="{E66ABB35-177B-415C-A6CB-91137289D5AB}" v="22" dt="2021-02-23T13:13:41.882"/>
+  </p1510:revLst>
+</p1510:revInfo>
+</file>
+
+<file path=ppt/changesInfos/changesInfo1.xml><?xml version="1.0" encoding="utf-8"?>
+<pc:chgInfo xmlns:a="http://schemas.openxmlformats.org/drawingml/2006/main" xmlns:r="http://schemas.openxmlformats.org/officeDocument/2006/relationships" xmlns:ac="http://schemas.microsoft.com/office/drawing/2013/main/command" xmlns:pc="http://schemas.microsoft.com/office/powerpoint/2013/main/command">
+  <pc:docChgLst>
+    <pc:chgData name="John Ambery" userId="fb00d5ba-693e-43f5-ad02-73db26cd6cd7" providerId="ADAL" clId="{E66ABB35-177B-415C-A6CB-91137289D5AB}"/>
+    <pc:docChg chg="custSel addSld modSld">
+      <pc:chgData name="John Ambery" userId="fb00d5ba-693e-43f5-ad02-73db26cd6cd7" providerId="ADAL" clId="{E66ABB35-177B-415C-A6CB-91137289D5AB}" dt="2021-02-23T13:19:36.476" v="2292" actId="404"/>
+      <pc:docMkLst>
+        <pc:docMk/>
+      </pc:docMkLst>
+      <pc:sldChg chg="modSp mod">
+        <pc:chgData name="John Ambery" userId="fb00d5ba-693e-43f5-ad02-73db26cd6cd7" providerId="ADAL" clId="{E66ABB35-177B-415C-A6CB-91137289D5AB}" dt="2021-02-23T12:22:46.684" v="11" actId="20577"/>
+        <pc:sldMkLst>
+          <pc:docMk/>
+          <pc:sldMk cId="613522706" sldId="257"/>
+        </pc:sldMkLst>
+        <pc:spChg chg="mod">
+          <ac:chgData name="John Ambery" userId="fb00d5ba-693e-43f5-ad02-73db26cd6cd7" providerId="ADAL" clId="{E66ABB35-177B-415C-A6CB-91137289D5AB}" dt="2021-02-23T12:22:46.684" v="11" actId="20577"/>
+          <ac:spMkLst>
+            <pc:docMk/>
+            <pc:sldMk cId="613522706" sldId="257"/>
+            <ac:spMk id="10" creationId="{C2F7078F-B3FE-4F71-8B4E-C2AE707CA085}"/>
+          </ac:spMkLst>
+        </pc:spChg>
+      </pc:sldChg>
+      <pc:sldChg chg="addSp modSp new mod">
+        <pc:chgData name="John Ambery" userId="fb00d5ba-693e-43f5-ad02-73db26cd6cd7" providerId="ADAL" clId="{E66ABB35-177B-415C-A6CB-91137289D5AB}" dt="2021-02-23T12:49:46.273" v="1483" actId="1076"/>
+        <pc:sldMkLst>
+          <pc:docMk/>
+          <pc:sldMk cId="986134857" sldId="259"/>
+        </pc:sldMkLst>
+        <pc:spChg chg="mod">
+          <ac:chgData name="John Ambery" userId="fb00d5ba-693e-43f5-ad02-73db26cd6cd7" providerId="ADAL" clId="{E66ABB35-177B-415C-A6CB-91137289D5AB}" dt="2021-02-23T12:28:47.117" v="32" actId="313"/>
+          <ac:spMkLst>
+            <pc:docMk/>
+            <pc:sldMk cId="986134857" sldId="259"/>
+            <ac:spMk id="2" creationId="{215F77D5-0D01-443C-80AD-C40425487A3C}"/>
+          </ac:spMkLst>
+        </pc:spChg>
+        <pc:spChg chg="mod">
+          <ac:chgData name="John Ambery" userId="fb00d5ba-693e-43f5-ad02-73db26cd6cd7" providerId="ADAL" clId="{E66ABB35-177B-415C-A6CB-91137289D5AB}" dt="2021-02-23T12:46:45.620" v="1454" actId="27636"/>
+          <ac:spMkLst>
+            <pc:docMk/>
+            <pc:sldMk cId="986134857" sldId="259"/>
+            <ac:spMk id="3" creationId="{79DC208C-6505-40C1-95FE-0B63D4C94AC3}"/>
+          </ac:spMkLst>
+        </pc:spChg>
+        <pc:spChg chg="add mod">
+          <ac:chgData name="John Ambery" userId="fb00d5ba-693e-43f5-ad02-73db26cd6cd7" providerId="ADAL" clId="{E66ABB35-177B-415C-A6CB-91137289D5AB}" dt="2021-02-23T12:49:43.499" v="1482" actId="20577"/>
+          <ac:spMkLst>
+            <pc:docMk/>
+            <pc:sldMk cId="986134857" sldId="259"/>
+            <ac:spMk id="4" creationId="{6563617F-7C13-4BD0-AE7A-4E3E584C3B28}"/>
+          </ac:spMkLst>
+        </pc:spChg>
+        <pc:picChg chg="add mod">
+          <ac:chgData name="John Ambery" userId="fb00d5ba-693e-43f5-ad02-73db26cd6cd7" providerId="ADAL" clId="{E66ABB35-177B-415C-A6CB-91137289D5AB}" dt="2021-02-23T12:49:16.065" v="1468" actId="1076"/>
+          <ac:picMkLst>
+            <pc:docMk/>
+            <pc:sldMk cId="986134857" sldId="259"/>
+            <ac:picMk id="1026" creationId="{2F9A4D44-0198-4AD6-95DD-5253D599DFD4}"/>
+          </ac:picMkLst>
+        </pc:picChg>
+        <pc:picChg chg="add mod">
+          <ac:chgData name="John Ambery" userId="fb00d5ba-693e-43f5-ad02-73db26cd6cd7" providerId="ADAL" clId="{E66ABB35-177B-415C-A6CB-91137289D5AB}" dt="2021-02-23T12:49:46.273" v="1483" actId="1076"/>
+          <ac:picMkLst>
+            <pc:docMk/>
+            <pc:sldMk cId="986134857" sldId="259"/>
+            <ac:picMk id="1028" creationId="{52AF75DC-1B21-44C0-A8AA-80A7302D73C9}"/>
+          </ac:picMkLst>
+        </pc:picChg>
+      </pc:sldChg>
+      <pc:sldChg chg="modSp new mod">
+        <pc:chgData name="John Ambery" userId="fb00d5ba-693e-43f5-ad02-73db26cd6cd7" providerId="ADAL" clId="{E66ABB35-177B-415C-A6CB-91137289D5AB}" dt="2021-02-23T13:19:36.476" v="2292" actId="404"/>
+        <pc:sldMkLst>
+          <pc:docMk/>
+          <pc:sldMk cId="1528861910" sldId="260"/>
+        </pc:sldMkLst>
+        <pc:spChg chg="mod">
+          <ac:chgData name="John Ambery" userId="fb00d5ba-693e-43f5-ad02-73db26cd6cd7" providerId="ADAL" clId="{E66ABB35-177B-415C-A6CB-91137289D5AB}" dt="2021-02-23T13:19:21.211" v="2289" actId="20577"/>
+          <ac:spMkLst>
+            <pc:docMk/>
+            <pc:sldMk cId="1528861910" sldId="260"/>
+            <ac:spMk id="2" creationId="{DDB70C6F-5B9F-41A2-A0D0-9E26FAFA9A0C}"/>
+          </ac:spMkLst>
+        </pc:spChg>
+        <pc:spChg chg="mod">
+          <ac:chgData name="John Ambery" userId="fb00d5ba-693e-43f5-ad02-73db26cd6cd7" providerId="ADAL" clId="{E66ABB35-177B-415C-A6CB-91137289D5AB}" dt="2021-02-23T13:19:36.476" v="2292" actId="404"/>
+          <ac:spMkLst>
+            <pc:docMk/>
+            <pc:sldMk cId="1528861910" sldId="260"/>
+            <ac:spMk id="3" creationId="{421D4D94-3A7B-441C-943D-B1F557DD4FF4}"/>
+          </ac:spMkLst>
+        </pc:spChg>
+      </pc:sldChg>
+      <pc:sldChg chg="addSp modSp new mod">
+        <pc:chgData name="John Ambery" userId="fb00d5ba-693e-43f5-ad02-73db26cd6cd7" providerId="ADAL" clId="{E66ABB35-177B-415C-A6CB-91137289D5AB}" dt="2021-02-23T12:44:58.100" v="1288" actId="27636"/>
+        <pc:sldMkLst>
+          <pc:docMk/>
+          <pc:sldMk cId="3981986370" sldId="261"/>
+        </pc:sldMkLst>
+        <pc:spChg chg="mod">
+          <ac:chgData name="John Ambery" userId="fb00d5ba-693e-43f5-ad02-73db26cd6cd7" providerId="ADAL" clId="{E66ABB35-177B-415C-A6CB-91137289D5AB}" dt="2021-02-23T12:37:54.467" v="708" actId="14100"/>
+          <ac:spMkLst>
+            <pc:docMk/>
+            <pc:sldMk cId="3981986370" sldId="261"/>
+            <ac:spMk id="2" creationId="{377C38B5-7C63-4B17-8AFC-BDD387634508}"/>
+          </ac:spMkLst>
+        </pc:spChg>
+        <pc:spChg chg="mod">
+          <ac:chgData name="John Ambery" userId="fb00d5ba-693e-43f5-ad02-73db26cd6cd7" providerId="ADAL" clId="{E66ABB35-177B-415C-A6CB-91137289D5AB}" dt="2021-02-23T12:44:58.100" v="1288" actId="27636"/>
+          <ac:spMkLst>
+            <pc:docMk/>
+            <pc:sldMk cId="3981986370" sldId="261"/>
+            <ac:spMk id="3" creationId="{ACECD557-531E-474F-9297-E29F9D5CAFF5}"/>
+          </ac:spMkLst>
+        </pc:spChg>
+        <pc:picChg chg="add mod">
+          <ac:chgData name="John Ambery" userId="fb00d5ba-693e-43f5-ad02-73db26cd6cd7" providerId="ADAL" clId="{E66ABB35-177B-415C-A6CB-91137289D5AB}" dt="2021-02-23T12:43:32.114" v="1254" actId="1076"/>
+          <ac:picMkLst>
+            <pc:docMk/>
+            <pc:sldMk cId="3981986370" sldId="261"/>
+            <ac:picMk id="4" creationId="{F026DDF7-2B01-4E97-AD50-BDCBD0FC1CB2}"/>
+          </ac:picMkLst>
+        </pc:picChg>
+      </pc:sldChg>
+      <pc:sldChg chg="modSp new mod">
+        <pc:chgData name="John Ambery" userId="fb00d5ba-693e-43f5-ad02-73db26cd6cd7" providerId="ADAL" clId="{E66ABB35-177B-415C-A6CB-91137289D5AB}" dt="2021-02-23T12:57:58.339" v="1938" actId="20577"/>
+        <pc:sldMkLst>
+          <pc:docMk/>
+          <pc:sldMk cId="4077650205" sldId="262"/>
+        </pc:sldMkLst>
+        <pc:spChg chg="mod">
+          <ac:chgData name="John Ambery" userId="fb00d5ba-693e-43f5-ad02-73db26cd6cd7" providerId="ADAL" clId="{E66ABB35-177B-415C-A6CB-91137289D5AB}" dt="2021-02-23T12:51:03.928" v="1523" actId="20577"/>
+          <ac:spMkLst>
+            <pc:docMk/>
+            <pc:sldMk cId="4077650205" sldId="262"/>
+            <ac:spMk id="2" creationId="{64B1B8E1-512C-4A01-B8C2-4AC0C06767AB}"/>
+          </ac:spMkLst>
+        </pc:spChg>
+        <pc:spChg chg="mod">
+          <ac:chgData name="John Ambery" userId="fb00d5ba-693e-43f5-ad02-73db26cd6cd7" providerId="ADAL" clId="{E66ABB35-177B-415C-A6CB-91137289D5AB}" dt="2021-02-23T12:57:58.339" v="1938" actId="20577"/>
+          <ac:spMkLst>
+            <pc:docMk/>
+            <pc:sldMk cId="4077650205" sldId="262"/>
+            <ac:spMk id="3" creationId="{62C308B9-193C-4B25-9423-B886E3005A63}"/>
+          </ac:spMkLst>
+        </pc:spChg>
+      </pc:sldChg>
+      <pc:sldChg chg="modSp new mod">
+        <pc:chgData name="John Ambery" userId="fb00d5ba-693e-43f5-ad02-73db26cd6cd7" providerId="ADAL" clId="{E66ABB35-177B-415C-A6CB-91137289D5AB}" dt="2021-02-23T13:13:43.142" v="2237" actId="20577"/>
+        <pc:sldMkLst>
+          <pc:docMk/>
+          <pc:sldMk cId="4091342431" sldId="263"/>
+        </pc:sldMkLst>
+        <pc:spChg chg="mod">
+          <ac:chgData name="John Ambery" userId="fb00d5ba-693e-43f5-ad02-73db26cd6cd7" providerId="ADAL" clId="{E66ABB35-177B-415C-A6CB-91137289D5AB}" dt="2021-02-23T12:58:22.629" v="1957" actId="20577"/>
+          <ac:spMkLst>
+            <pc:docMk/>
+            <pc:sldMk cId="4091342431" sldId="263"/>
+            <ac:spMk id="2" creationId="{05EAAFDB-C7E5-41F0-B169-34D7CDEEDF0D}"/>
+          </ac:spMkLst>
+        </pc:spChg>
+        <pc:spChg chg="mod">
+          <ac:chgData name="John Ambery" userId="fb00d5ba-693e-43f5-ad02-73db26cd6cd7" providerId="ADAL" clId="{E66ABB35-177B-415C-A6CB-91137289D5AB}" dt="2021-02-23T13:13:43.142" v="2237" actId="20577"/>
+          <ac:spMkLst>
+            <pc:docMk/>
+            <pc:sldMk cId="4091342431" sldId="263"/>
+            <ac:spMk id="3" creationId="{D562A9B8-EEE7-4C7D-9861-2C5166A5236A}"/>
+          </ac:spMkLst>
+        </pc:spChg>
+      </pc:sldChg>
+    </pc:docChg>
+  </pc:docChgLst>
+</pc:chgInfo>
 </file>
 
 <file path=ppt/slideLayouts/slideLayout1.xml><?xml version="1.0" encoding="utf-8"?>
@@ -14257,7 +14451,15 @@
           <a:p>
             <a:r>
               <a:rPr lang="en-US" dirty="0"/>
-              <a:t>Peer-to-peer networks - platforms in which users can download and swag music freely (ex. SoundCloud)</a:t>
+              <a:t>Peer-to-peer networks - platforms in which users can download and swag music freely (ex. SoundCloud and </a:t>
+            </a:r>
+            <a:r>
+              <a:rPr lang="en-US" dirty="0" err="1"/>
+              <a:t>Github</a:t>
+            </a:r>
+            <a:r>
+              <a:rPr lang="en-US" dirty="0"/>
+              <a:t>)</a:t>
             </a:r>
           </a:p>
         </p:txBody>
@@ -14403,6 +14605,712 @@
     <p:extLst>
       <p:ext uri="{BB962C8B-B14F-4D97-AF65-F5344CB8AC3E}">
         <p14:creationId xmlns:p14="http://schemas.microsoft.com/office/powerpoint/2010/main" val="3876352427"/>
+      </p:ext>
+    </p:extLst>
+  </p:cSld>
+  <p:clrMapOvr>
+    <a:masterClrMapping/>
+  </p:clrMapOvr>
+</p:sld>
+</file>
+
+<file path=ppt/slides/slide4.xml><?xml version="1.0" encoding="utf-8"?>
+<p:sld xmlns:a="http://schemas.openxmlformats.org/drawingml/2006/main" xmlns:r="http://schemas.openxmlformats.org/officeDocument/2006/relationships" xmlns:p="http://schemas.openxmlformats.org/presentationml/2006/main">
+  <p:cSld>
+    <p:spTree>
+      <p:nvGrpSpPr>
+        <p:cNvPr id="1" name=""/>
+        <p:cNvGrpSpPr/>
+        <p:nvPr/>
+      </p:nvGrpSpPr>
+      <p:grpSpPr>
+        <a:xfrm>
+          <a:off x="0" y="0"/>
+          <a:ext cx="0" cy="0"/>
+          <a:chOff x="0" y="0"/>
+          <a:chExt cx="0" cy="0"/>
+        </a:xfrm>
+      </p:grpSpPr>
+      <p:sp>
+        <p:nvSpPr>
+          <p:cNvPr id="2" name="Title 1">
+            <a:extLst>
+              <a:ext uri="{FF2B5EF4-FFF2-40B4-BE49-F238E27FC236}">
+                <a16:creationId xmlns:a16="http://schemas.microsoft.com/office/drawing/2014/main" id="{215F77D5-0D01-443C-80AD-C40425487A3C}"/>
+              </a:ext>
+            </a:extLst>
+          </p:cNvPr>
+          <p:cNvSpPr>
+            <a:spLocks noGrp="1"/>
+          </p:cNvSpPr>
+          <p:nvPr>
+            <p:ph type="title"/>
+          </p:nvPr>
+        </p:nvSpPr>
+        <p:spPr/>
+        <p:txBody>
+          <a:bodyPr/>
+          <a:lstStyle/>
+          <a:p>
+            <a:r>
+              <a:rPr lang="en-US" dirty="0"/>
+              <a:t>Software Licensing</a:t>
+            </a:r>
+          </a:p>
+        </p:txBody>
+      </p:sp>
+      <p:sp>
+        <p:nvSpPr>
+          <p:cNvPr id="3" name="Content Placeholder 2">
+            <a:extLst>
+              <a:ext uri="{FF2B5EF4-FFF2-40B4-BE49-F238E27FC236}">
+                <a16:creationId xmlns:a16="http://schemas.microsoft.com/office/drawing/2014/main" id="{79DC208C-6505-40C1-95FE-0B63D4C94AC3}"/>
+              </a:ext>
+            </a:extLst>
+          </p:cNvPr>
+          <p:cNvSpPr>
+            <a:spLocks noGrp="1"/>
+          </p:cNvSpPr>
+          <p:nvPr>
+            <p:ph idx="1"/>
+          </p:nvPr>
+        </p:nvSpPr>
+        <p:spPr>
+          <a:xfrm>
+            <a:off x="838200" y="1690688"/>
+            <a:ext cx="10515600" cy="4083579"/>
+          </a:xfrm>
+        </p:spPr>
+        <p:txBody>
+          <a:bodyPr>
+            <a:normAutofit lnSpcReduction="10000"/>
+          </a:bodyPr>
+          <a:lstStyle/>
+          <a:p>
+            <a:r>
+              <a:rPr lang="en-US" dirty="0"/>
+              <a:t>When it comes to software, policies can range from open-source to super long user agreements (Terms &amp; Conditions)</a:t>
+            </a:r>
+          </a:p>
+          <a:p>
+            <a:r>
+              <a:rPr lang="en-US" dirty="0"/>
+              <a:t>Open-source software has saved individuals and companies money </a:t>
+            </a:r>
+          </a:p>
+          <a:p>
+            <a:r>
+              <a:rPr lang="en-US" dirty="0"/>
+              <a:t>User agreements work because most people do not really read them, issues come up when people violate the terms, say “I didn’t know,” but were responsible for reading the terms and conditions</a:t>
+            </a:r>
+          </a:p>
+        </p:txBody>
+      </p:sp>
+      <p:pic>
+        <p:nvPicPr>
+          <p:cNvPr id="1026" name="Picture 2" descr="What is Git and GitHub? And how to use GitHub? - DEV Community">
+            <a:extLst>
+              <a:ext uri="{FF2B5EF4-FFF2-40B4-BE49-F238E27FC236}">
+                <a16:creationId xmlns:a16="http://schemas.microsoft.com/office/drawing/2014/main" id="{2F9A4D44-0198-4AD6-95DD-5253D599DFD4}"/>
+              </a:ext>
+            </a:extLst>
+          </p:cNvPr>
+          <p:cNvPicPr>
+            <a:picLocks noChangeAspect="1" noChangeArrowheads="1"/>
+          </p:cNvPicPr>
+          <p:nvPr/>
+        </p:nvPicPr>
+        <p:blipFill rotWithShape="1">
+          <a:blip r:embed="rId2">
+            <a:extLst>
+              <a:ext uri="{28A0092B-C50C-407E-A947-70E740481C1C}">
+                <a14:useLocalDpi xmlns:a14="http://schemas.microsoft.com/office/drawing/2010/main" val="0"/>
+              </a:ext>
+            </a:extLst>
+          </a:blip>
+          <a:srcRect t="20984" b="16322"/>
+          <a:stretch/>
+        </p:blipFill>
+        <p:spPr bwMode="auto">
+          <a:xfrm>
+            <a:off x="6688667" y="5548905"/>
+            <a:ext cx="2857500" cy="1003237"/>
+          </a:xfrm>
+          <a:prstGeom prst="rect">
+            <a:avLst/>
+          </a:prstGeom>
+          <a:noFill/>
+          <a:extLst>
+            <a:ext uri="{909E8E84-426E-40DD-AFC4-6F175D3DCCD1}">
+              <a14:hiddenFill xmlns:a14="http://schemas.microsoft.com/office/drawing/2010/main">
+                <a:solidFill>
+                  <a:srgbClr val="FFFFFF"/>
+                </a:solidFill>
+              </a14:hiddenFill>
+            </a:ext>
+          </a:extLst>
+        </p:spPr>
+      </p:pic>
+      <p:pic>
+        <p:nvPicPr>
+          <p:cNvPr id="1028" name="Picture 4" descr="Skillshare and Getting Global — Getting Global">
+            <a:extLst>
+              <a:ext uri="{FF2B5EF4-FFF2-40B4-BE49-F238E27FC236}">
+                <a16:creationId xmlns:a16="http://schemas.microsoft.com/office/drawing/2014/main" id="{52AF75DC-1B21-44C0-A8AA-80A7302D73C9}"/>
+              </a:ext>
+            </a:extLst>
+          </p:cNvPr>
+          <p:cNvPicPr>
+            <a:picLocks noChangeAspect="1" noChangeArrowheads="1"/>
+          </p:cNvPicPr>
+          <p:nvPr/>
+        </p:nvPicPr>
+        <p:blipFill rotWithShape="1">
+          <a:blip r:embed="rId3">
+            <a:extLst>
+              <a:ext uri="{28A0092B-C50C-407E-A947-70E740481C1C}">
+                <a14:useLocalDpi xmlns:a14="http://schemas.microsoft.com/office/drawing/2010/main" val="0"/>
+              </a:ext>
+            </a:extLst>
+          </a:blip>
+          <a:srcRect t="28020" b="23952"/>
+          <a:stretch/>
+        </p:blipFill>
+        <p:spPr bwMode="auto">
+          <a:xfrm>
+            <a:off x="1876024" y="5602320"/>
+            <a:ext cx="3509962" cy="1121770"/>
+          </a:xfrm>
+          <a:prstGeom prst="rect">
+            <a:avLst/>
+          </a:prstGeom>
+          <a:noFill/>
+          <a:extLst>
+            <a:ext uri="{909E8E84-426E-40DD-AFC4-6F175D3DCCD1}">
+              <a14:hiddenFill xmlns:a14="http://schemas.microsoft.com/office/drawing/2010/main">
+                <a:solidFill>
+                  <a:srgbClr val="FFFFFF"/>
+                </a:solidFill>
+              </a14:hiddenFill>
+            </a:ext>
+          </a:extLst>
+        </p:spPr>
+      </p:pic>
+      <p:sp>
+        <p:nvSpPr>
+          <p:cNvPr id="4" name="TextBox 3">
+            <a:extLst>
+              <a:ext uri="{FF2B5EF4-FFF2-40B4-BE49-F238E27FC236}">
+                <a16:creationId xmlns:a16="http://schemas.microsoft.com/office/drawing/2014/main" id="{6563617F-7C13-4BD0-AE7A-4E3E584C3B28}"/>
+              </a:ext>
+            </a:extLst>
+          </p:cNvPr>
+          <p:cNvSpPr txBox="1"/>
+          <p:nvPr/>
+        </p:nvSpPr>
+        <p:spPr>
+          <a:xfrm>
+            <a:off x="5385986" y="5727357"/>
+            <a:ext cx="748923" cy="646331"/>
+          </a:xfrm>
+          <a:prstGeom prst="rect">
+            <a:avLst/>
+          </a:prstGeom>
+          <a:noFill/>
+        </p:spPr>
+        <p:txBody>
+          <a:bodyPr wrap="none" rtlCol="0">
+            <a:spAutoFit/>
+          </a:bodyPr>
+          <a:lstStyle/>
+          <a:p>
+            <a:r>
+              <a:rPr lang="en-US" sz="3600" dirty="0"/>
+              <a:t>vs.</a:t>
+            </a:r>
+          </a:p>
+        </p:txBody>
+      </p:sp>
+    </p:spTree>
+    <p:extLst>
+      <p:ext uri="{BB962C8B-B14F-4D97-AF65-F5344CB8AC3E}">
+        <p14:creationId xmlns:p14="http://schemas.microsoft.com/office/powerpoint/2010/main" val="986134857"/>
+      </p:ext>
+    </p:extLst>
+  </p:cSld>
+  <p:clrMapOvr>
+    <a:masterClrMapping/>
+  </p:clrMapOvr>
+</p:sld>
+</file>
+
+<file path=ppt/slides/slide5.xml><?xml version="1.0" encoding="utf-8"?>
+<p:sld xmlns:a="http://schemas.openxmlformats.org/drawingml/2006/main" xmlns:r="http://schemas.openxmlformats.org/officeDocument/2006/relationships" xmlns:p="http://schemas.openxmlformats.org/presentationml/2006/main">
+  <p:cSld>
+    <p:spTree>
+      <p:nvGrpSpPr>
+        <p:cNvPr id="1" name=""/>
+        <p:cNvGrpSpPr/>
+        <p:nvPr/>
+      </p:nvGrpSpPr>
+      <p:grpSpPr>
+        <a:xfrm>
+          <a:off x="0" y="0"/>
+          <a:ext cx="0" cy="0"/>
+          <a:chOff x="0" y="0"/>
+          <a:chExt cx="0" cy="0"/>
+        </a:xfrm>
+      </p:grpSpPr>
+      <p:sp>
+        <p:nvSpPr>
+          <p:cNvPr id="2" name="Title 1">
+            <a:extLst>
+              <a:ext uri="{FF2B5EF4-FFF2-40B4-BE49-F238E27FC236}">
+                <a16:creationId xmlns:a16="http://schemas.microsoft.com/office/drawing/2014/main" id="{377C38B5-7C63-4B17-8AFC-BDD387634508}"/>
+              </a:ext>
+            </a:extLst>
+          </p:cNvPr>
+          <p:cNvSpPr>
+            <a:spLocks noGrp="1"/>
+          </p:cNvSpPr>
+          <p:nvPr>
+            <p:ph type="title"/>
+          </p:nvPr>
+        </p:nvSpPr>
+        <p:spPr>
+          <a:xfrm>
+            <a:off x="838200" y="365126"/>
+            <a:ext cx="10515600" cy="1091142"/>
+          </a:xfrm>
+        </p:spPr>
+        <p:txBody>
+          <a:bodyPr/>
+          <a:lstStyle/>
+          <a:p>
+            <a:r>
+              <a:rPr lang="en-US" dirty="0"/>
+              <a:t>Creative Commons</a:t>
+            </a:r>
+          </a:p>
+        </p:txBody>
+      </p:sp>
+      <p:sp>
+        <p:nvSpPr>
+          <p:cNvPr id="3" name="Content Placeholder 2">
+            <a:extLst>
+              <a:ext uri="{FF2B5EF4-FFF2-40B4-BE49-F238E27FC236}">
+                <a16:creationId xmlns:a16="http://schemas.microsoft.com/office/drawing/2014/main" id="{ACECD557-531E-474F-9297-E29F9D5CAFF5}"/>
+              </a:ext>
+            </a:extLst>
+          </p:cNvPr>
+          <p:cNvSpPr>
+            <a:spLocks noGrp="1"/>
+          </p:cNvSpPr>
+          <p:nvPr>
+            <p:ph idx="1"/>
+          </p:nvPr>
+        </p:nvSpPr>
+        <p:spPr>
+          <a:xfrm>
+            <a:off x="838200" y="1456267"/>
+            <a:ext cx="10515600" cy="5155139"/>
+          </a:xfrm>
+        </p:spPr>
+        <p:txBody>
+          <a:bodyPr>
+            <a:normAutofit/>
+          </a:bodyPr>
+          <a:lstStyle/>
+          <a:p>
+            <a:r>
+              <a:rPr lang="en-US" dirty="0"/>
+              <a:t>The book mentions the “Creative Commons” initiative as a major advance in this debate</a:t>
+            </a:r>
+          </a:p>
+          <a:p>
+            <a:r>
+              <a:rPr lang="en-US" dirty="0"/>
+              <a:t>From their website, “Creative Commons is a non-profit organization that helps overcome legal obstacles to the sharing of knowledge  and creativity to address the world’s pressing challenges.”</a:t>
+            </a:r>
+          </a:p>
+          <a:p>
+            <a:r>
+              <a:rPr lang="en-US" dirty="0"/>
+              <a:t>They help provide licenses and tools to help creators produce what they would like while making sure it follows the necessary laws</a:t>
+            </a:r>
+          </a:p>
+          <a:p>
+            <a:r>
+              <a:rPr lang="en-US" dirty="0"/>
+              <a:t>Free to use, no account needed</a:t>
+            </a:r>
+          </a:p>
+        </p:txBody>
+      </p:sp>
+      <p:pic>
+        <p:nvPicPr>
+          <p:cNvPr id="4" name="Picture 3">
+            <a:extLst>
+              <a:ext uri="{FF2B5EF4-FFF2-40B4-BE49-F238E27FC236}">
+                <a16:creationId xmlns:a16="http://schemas.microsoft.com/office/drawing/2014/main" id="{F026DDF7-2B01-4E97-AD50-BDCBD0FC1CB2}"/>
+              </a:ext>
+            </a:extLst>
+          </p:cNvPr>
+          <p:cNvPicPr>
+            <a:picLocks noChangeAspect="1"/>
+          </p:cNvPicPr>
+          <p:nvPr/>
+        </p:nvPicPr>
+        <p:blipFill>
+          <a:blip r:embed="rId2"/>
+          <a:stretch>
+            <a:fillRect/>
+          </a:stretch>
+        </p:blipFill>
+        <p:spPr>
+          <a:xfrm>
+            <a:off x="6939273" y="5209676"/>
+            <a:ext cx="4943949" cy="1401731"/>
+          </a:xfrm>
+          <a:prstGeom prst="rect">
+            <a:avLst/>
+          </a:prstGeom>
+        </p:spPr>
+      </p:pic>
+    </p:spTree>
+    <p:extLst>
+      <p:ext uri="{BB962C8B-B14F-4D97-AF65-F5344CB8AC3E}">
+        <p14:creationId xmlns:p14="http://schemas.microsoft.com/office/powerpoint/2010/main" val="3981986370"/>
+      </p:ext>
+    </p:extLst>
+  </p:cSld>
+  <p:clrMapOvr>
+    <a:masterClrMapping/>
+  </p:clrMapOvr>
+</p:sld>
+</file>
+
+<file path=ppt/slides/slide6.xml><?xml version="1.0" encoding="utf-8"?>
+<p:sld xmlns:a="http://schemas.openxmlformats.org/drawingml/2006/main" xmlns:r="http://schemas.openxmlformats.org/officeDocument/2006/relationships" xmlns:p="http://schemas.openxmlformats.org/presentationml/2006/main">
+  <p:cSld>
+    <p:spTree>
+      <p:nvGrpSpPr>
+        <p:cNvPr id="1" name=""/>
+        <p:cNvGrpSpPr/>
+        <p:nvPr/>
+      </p:nvGrpSpPr>
+      <p:grpSpPr>
+        <a:xfrm>
+          <a:off x="0" y="0"/>
+          <a:ext cx="0" cy="0"/>
+          <a:chOff x="0" y="0"/>
+          <a:chExt cx="0" cy="0"/>
+        </a:xfrm>
+      </p:grpSpPr>
+      <p:sp>
+        <p:nvSpPr>
+          <p:cNvPr id="2" name="Title 1">
+            <a:extLst>
+              <a:ext uri="{FF2B5EF4-FFF2-40B4-BE49-F238E27FC236}">
+                <a16:creationId xmlns:a16="http://schemas.microsoft.com/office/drawing/2014/main" id="{64B1B8E1-512C-4A01-B8C2-4AC0C06767AB}"/>
+              </a:ext>
+            </a:extLst>
+          </p:cNvPr>
+          <p:cNvSpPr>
+            <a:spLocks noGrp="1"/>
+          </p:cNvSpPr>
+          <p:nvPr>
+            <p:ph type="title"/>
+          </p:nvPr>
+        </p:nvSpPr>
+        <p:spPr/>
+        <p:txBody>
+          <a:bodyPr/>
+          <a:lstStyle/>
+          <a:p>
+            <a:r>
+              <a:rPr lang="en-US" dirty="0"/>
+              <a:t>Digital Rights Management (DRM)</a:t>
+            </a:r>
+          </a:p>
+        </p:txBody>
+      </p:sp>
+      <p:sp>
+        <p:nvSpPr>
+          <p:cNvPr id="3" name="Content Placeholder 2">
+            <a:extLst>
+              <a:ext uri="{FF2B5EF4-FFF2-40B4-BE49-F238E27FC236}">
+                <a16:creationId xmlns:a16="http://schemas.microsoft.com/office/drawing/2014/main" id="{62C308B9-193C-4B25-9423-B886E3005A63}"/>
+              </a:ext>
+            </a:extLst>
+          </p:cNvPr>
+          <p:cNvSpPr>
+            <a:spLocks noGrp="1"/>
+          </p:cNvSpPr>
+          <p:nvPr>
+            <p:ph idx="1"/>
+          </p:nvPr>
+        </p:nvSpPr>
+        <p:spPr/>
+        <p:txBody>
+          <a:bodyPr/>
+          <a:lstStyle/>
+          <a:p>
+            <a:r>
+              <a:rPr lang="en-US" dirty="0"/>
+              <a:t>DRM refers to the different ways companies and people can go about publishing their work and how open they want to make it</a:t>
+            </a:r>
+          </a:p>
+          <a:p>
+            <a:r>
+              <a:rPr lang="en-US" dirty="0"/>
+              <a:t>We have talked about some of the more general techniques for this</a:t>
+            </a:r>
+          </a:p>
+          <a:p>
+            <a:r>
+              <a:rPr lang="en-US" dirty="0"/>
+              <a:t>Here is more information on DRM and some different methods that can be used:</a:t>
+            </a:r>
+          </a:p>
+          <a:p>
+            <a:pPr lvl="1"/>
+            <a:r>
+              <a:rPr lang="en-US" dirty="0"/>
+              <a:t>https://www.widen.com/blog/digital-rights-management</a:t>
+            </a:r>
+          </a:p>
+        </p:txBody>
+      </p:sp>
+    </p:spTree>
+    <p:extLst>
+      <p:ext uri="{BB962C8B-B14F-4D97-AF65-F5344CB8AC3E}">
+        <p14:creationId xmlns:p14="http://schemas.microsoft.com/office/powerpoint/2010/main" val="4077650205"/>
+      </p:ext>
+    </p:extLst>
+  </p:cSld>
+  <p:clrMapOvr>
+    <a:masterClrMapping/>
+  </p:clrMapOvr>
+</p:sld>
+</file>
+
+<file path=ppt/slides/slide7.xml><?xml version="1.0" encoding="utf-8"?>
+<p:sld xmlns:a="http://schemas.openxmlformats.org/drawingml/2006/main" xmlns:r="http://schemas.openxmlformats.org/officeDocument/2006/relationships" xmlns:p="http://schemas.openxmlformats.org/presentationml/2006/main">
+  <p:cSld>
+    <p:spTree>
+      <p:nvGrpSpPr>
+        <p:cNvPr id="1" name=""/>
+        <p:cNvGrpSpPr/>
+        <p:nvPr/>
+      </p:nvGrpSpPr>
+      <p:grpSpPr>
+        <a:xfrm>
+          <a:off x="0" y="0"/>
+          <a:ext cx="0" cy="0"/>
+          <a:chOff x="0" y="0"/>
+          <a:chExt cx="0" cy="0"/>
+        </a:xfrm>
+      </p:grpSpPr>
+      <p:sp>
+        <p:nvSpPr>
+          <p:cNvPr id="2" name="Title 1">
+            <a:extLst>
+              <a:ext uri="{FF2B5EF4-FFF2-40B4-BE49-F238E27FC236}">
+                <a16:creationId xmlns:a16="http://schemas.microsoft.com/office/drawing/2014/main" id="{05EAAFDB-C7E5-41F0-B169-34D7CDEEDF0D}"/>
+              </a:ext>
+            </a:extLst>
+          </p:cNvPr>
+          <p:cNvSpPr>
+            <a:spLocks noGrp="1"/>
+          </p:cNvSpPr>
+          <p:nvPr>
+            <p:ph type="title"/>
+          </p:nvPr>
+        </p:nvSpPr>
+        <p:spPr/>
+        <p:txBody>
+          <a:bodyPr/>
+          <a:lstStyle/>
+          <a:p>
+            <a:r>
+              <a:rPr lang="en-US" dirty="0"/>
+              <a:t>More information</a:t>
+            </a:r>
+          </a:p>
+        </p:txBody>
+      </p:sp>
+      <p:sp>
+        <p:nvSpPr>
+          <p:cNvPr id="3" name="Content Placeholder 2">
+            <a:extLst>
+              <a:ext uri="{FF2B5EF4-FFF2-40B4-BE49-F238E27FC236}">
+                <a16:creationId xmlns:a16="http://schemas.microsoft.com/office/drawing/2014/main" id="{D562A9B8-EEE7-4C7D-9861-2C5166A5236A}"/>
+              </a:ext>
+            </a:extLst>
+          </p:cNvPr>
+          <p:cNvSpPr>
+            <a:spLocks noGrp="1"/>
+          </p:cNvSpPr>
+          <p:nvPr>
+            <p:ph idx="1"/>
+          </p:nvPr>
+        </p:nvSpPr>
+        <p:spPr/>
+        <p:txBody>
+          <a:bodyPr/>
+          <a:lstStyle/>
+          <a:p>
+            <a:r>
+              <a:rPr lang="en-US" dirty="0"/>
+              <a:t>Court case of Oracle v. Google</a:t>
+            </a:r>
+          </a:p>
+          <a:p>
+            <a:pPr lvl="1"/>
+            <a:r>
+              <a:rPr lang="en-US" dirty="0"/>
+              <a:t>Was to decide how much Google could use Oracle’s Java APIs specifically in their android platform</a:t>
+            </a:r>
+          </a:p>
+          <a:p>
+            <a:pPr lvl="1"/>
+            <a:r>
+              <a:rPr lang="en-US" dirty="0">
+                <a:hlinkClick r:id="rId2"/>
+              </a:rPr>
+              <a:t>https://copyrightalliance.org/copyright-cases/oracle-america-v-google/</a:t>
+            </a:r>
+            <a:endParaRPr lang="en-US" dirty="0"/>
+          </a:p>
+          <a:p>
+            <a:r>
+              <a:rPr lang="en-US" dirty="0"/>
+              <a:t>US Copyright Office History and Responsibilities</a:t>
+            </a:r>
+          </a:p>
+          <a:p>
+            <a:pPr lvl="1"/>
+            <a:r>
+              <a:rPr lang="en-US" dirty="0">
+                <a:hlinkClick r:id="rId3"/>
+              </a:rPr>
+              <a:t>https://www.copyright.gov/circs/circ1a.html#:~:text=The%20owner%20of%20copyright%20has,others%20to%20engage%20in%20the</a:t>
+            </a:r>
+            <a:endParaRPr lang="en-US" dirty="0"/>
+          </a:p>
+        </p:txBody>
+      </p:sp>
+    </p:spTree>
+    <p:extLst>
+      <p:ext uri="{BB962C8B-B14F-4D97-AF65-F5344CB8AC3E}">
+        <p14:creationId xmlns:p14="http://schemas.microsoft.com/office/powerpoint/2010/main" val="4091342431"/>
+      </p:ext>
+    </p:extLst>
+  </p:cSld>
+  <p:clrMapOvr>
+    <a:masterClrMapping/>
+  </p:clrMapOvr>
+</p:sld>
+</file>
+
+<file path=ppt/slides/slide8.xml><?xml version="1.0" encoding="utf-8"?>
+<p:sld xmlns:a="http://schemas.openxmlformats.org/drawingml/2006/main" xmlns:r="http://schemas.openxmlformats.org/officeDocument/2006/relationships" xmlns:p="http://schemas.openxmlformats.org/presentationml/2006/main">
+  <p:cSld>
+    <p:spTree>
+      <p:nvGrpSpPr>
+        <p:cNvPr id="1" name=""/>
+        <p:cNvGrpSpPr/>
+        <p:nvPr/>
+      </p:nvGrpSpPr>
+      <p:grpSpPr>
+        <a:xfrm>
+          <a:off x="0" y="0"/>
+          <a:ext cx="0" cy="0"/>
+          <a:chOff x="0" y="0"/>
+          <a:chExt cx="0" cy="0"/>
+        </a:xfrm>
+      </p:grpSpPr>
+      <p:sp>
+        <p:nvSpPr>
+          <p:cNvPr id="2" name="Title 1">
+            <a:extLst>
+              <a:ext uri="{FF2B5EF4-FFF2-40B4-BE49-F238E27FC236}">
+                <a16:creationId xmlns:a16="http://schemas.microsoft.com/office/drawing/2014/main" id="{DDB70C6F-5B9F-41A2-A0D0-9E26FAFA9A0C}"/>
+              </a:ext>
+            </a:extLst>
+          </p:cNvPr>
+          <p:cNvSpPr>
+            <a:spLocks noGrp="1"/>
+          </p:cNvSpPr>
+          <p:nvPr>
+            <p:ph type="title"/>
+          </p:nvPr>
+        </p:nvSpPr>
+        <p:spPr/>
+        <p:txBody>
+          <a:bodyPr/>
+          <a:lstStyle/>
+          <a:p>
+            <a:r>
+              <a:rPr lang="en-US" dirty="0"/>
+              <a:t>Questions to think about (that don’t really have right/wrong answers):</a:t>
+            </a:r>
+          </a:p>
+        </p:txBody>
+      </p:sp>
+      <p:sp>
+        <p:nvSpPr>
+          <p:cNvPr id="3" name="Content Placeholder 2">
+            <a:extLst>
+              <a:ext uri="{FF2B5EF4-FFF2-40B4-BE49-F238E27FC236}">
+                <a16:creationId xmlns:a16="http://schemas.microsoft.com/office/drawing/2014/main" id="{421D4D94-3A7B-441C-943D-B1F557DD4FF4}"/>
+              </a:ext>
+            </a:extLst>
+          </p:cNvPr>
+          <p:cNvSpPr>
+            <a:spLocks noGrp="1"/>
+          </p:cNvSpPr>
+          <p:nvPr>
+            <p:ph idx="1"/>
+          </p:nvPr>
+        </p:nvSpPr>
+        <p:spPr>
+          <a:xfrm>
+            <a:off x="838200" y="1690688"/>
+            <a:ext cx="10515600" cy="4481512"/>
+          </a:xfrm>
+        </p:spPr>
+        <p:txBody>
+          <a:bodyPr/>
+          <a:lstStyle/>
+          <a:p>
+            <a:r>
+              <a:rPr lang="en-US" dirty="0"/>
+              <a:t>Are peer-to-peer networks legal? </a:t>
+            </a:r>
+          </a:p>
+          <a:p>
+            <a:r>
+              <a:rPr lang="en-US" dirty="0"/>
+              <a:t>Do you think they are ethical?</a:t>
+            </a:r>
+          </a:p>
+          <a:p>
+            <a:r>
+              <a:rPr lang="en-US" dirty="0"/>
+              <a:t>If you created a song or piece of software, would you protect it or just publish it open source?</a:t>
+            </a:r>
+          </a:p>
+          <a:p>
+            <a:endParaRPr lang="en-US" dirty="0"/>
+          </a:p>
+        </p:txBody>
+      </p:sp>
+    </p:spTree>
+    <p:extLst>
+      <p:ext uri="{BB962C8B-B14F-4D97-AF65-F5344CB8AC3E}">
+        <p14:creationId xmlns:p14="http://schemas.microsoft.com/office/powerpoint/2010/main" val="1528861910"/>
       </p:ext>
     </p:extLst>
   </p:cSld>
